--- a/Recommender System/(2020 Queirozf) Evaluation Metrics for Ranking Problems.pptx
+++ b/Recommender System/(2020 Queirozf) Evaluation Metrics for Ranking Problems.pptx
@@ -113,6 +113,11 @@
       </a:defRPr>
     </a:lvl9pPr>
   </p:defaultTextStyle>
+  <p:extLst>
+    <p:ext uri="{EFAFB233-063F-42B5-8137-9DF3F51BA10A}">
+      <p15:sldGuideLst xmlns:p15="http://schemas.microsoft.com/office/powerpoint/2012/main"/>
+    </p:ext>
+  </p:extLst>
 </p:presentation>
 </file>
 
@@ -265,7 +270,7 @@
           <a:p>
             <a:fld id="{C4DEFB12-8908-45C0-9F73-949DA352926F}" type="datetimeFigureOut">
               <a:rPr lang="en-SG" smtClean="0"/>
-              <a:t>17/9/2021</a:t>
+              <a:t>29/9/2021</a:t>
             </a:fld>
             <a:endParaRPr lang="en-SG"/>
           </a:p>
@@ -465,7 +470,7 @@
           <a:p>
             <a:fld id="{C4DEFB12-8908-45C0-9F73-949DA352926F}" type="datetimeFigureOut">
               <a:rPr lang="en-SG" smtClean="0"/>
-              <a:t>17/9/2021</a:t>
+              <a:t>29/9/2021</a:t>
             </a:fld>
             <a:endParaRPr lang="en-SG"/>
           </a:p>
@@ -675,7 +680,7 @@
           <a:p>
             <a:fld id="{C4DEFB12-8908-45C0-9F73-949DA352926F}" type="datetimeFigureOut">
               <a:rPr lang="en-SG" smtClean="0"/>
-              <a:t>17/9/2021</a:t>
+              <a:t>29/9/2021</a:t>
             </a:fld>
             <a:endParaRPr lang="en-SG"/>
           </a:p>
@@ -875,7 +880,7 @@
           <a:p>
             <a:fld id="{C4DEFB12-8908-45C0-9F73-949DA352926F}" type="datetimeFigureOut">
               <a:rPr lang="en-SG" smtClean="0"/>
-              <a:t>17/9/2021</a:t>
+              <a:t>29/9/2021</a:t>
             </a:fld>
             <a:endParaRPr lang="en-SG"/>
           </a:p>
@@ -1151,7 +1156,7 @@
           <a:p>
             <a:fld id="{C4DEFB12-8908-45C0-9F73-949DA352926F}" type="datetimeFigureOut">
               <a:rPr lang="en-SG" smtClean="0"/>
-              <a:t>17/9/2021</a:t>
+              <a:t>29/9/2021</a:t>
             </a:fld>
             <a:endParaRPr lang="en-SG"/>
           </a:p>
@@ -1419,7 +1424,7 @@
           <a:p>
             <a:fld id="{C4DEFB12-8908-45C0-9F73-949DA352926F}" type="datetimeFigureOut">
               <a:rPr lang="en-SG" smtClean="0"/>
-              <a:t>17/9/2021</a:t>
+              <a:t>29/9/2021</a:t>
             </a:fld>
             <a:endParaRPr lang="en-SG"/>
           </a:p>
@@ -1834,7 +1839,7 @@
           <a:p>
             <a:fld id="{C4DEFB12-8908-45C0-9F73-949DA352926F}" type="datetimeFigureOut">
               <a:rPr lang="en-SG" smtClean="0"/>
-              <a:t>17/9/2021</a:t>
+              <a:t>29/9/2021</a:t>
             </a:fld>
             <a:endParaRPr lang="en-SG"/>
           </a:p>
@@ -1976,7 +1981,7 @@
           <a:p>
             <a:fld id="{C4DEFB12-8908-45C0-9F73-949DA352926F}" type="datetimeFigureOut">
               <a:rPr lang="en-SG" smtClean="0"/>
-              <a:t>17/9/2021</a:t>
+              <a:t>29/9/2021</a:t>
             </a:fld>
             <a:endParaRPr lang="en-SG"/>
           </a:p>
@@ -2089,7 +2094,7 @@
           <a:p>
             <a:fld id="{C4DEFB12-8908-45C0-9F73-949DA352926F}" type="datetimeFigureOut">
               <a:rPr lang="en-SG" smtClean="0"/>
-              <a:t>17/9/2021</a:t>
+              <a:t>29/9/2021</a:t>
             </a:fld>
             <a:endParaRPr lang="en-SG"/>
           </a:p>
@@ -2402,7 +2407,7 @@
           <a:p>
             <a:fld id="{C4DEFB12-8908-45C0-9F73-949DA352926F}" type="datetimeFigureOut">
               <a:rPr lang="en-SG" smtClean="0"/>
-              <a:t>17/9/2021</a:t>
+              <a:t>29/9/2021</a:t>
             </a:fld>
             <a:endParaRPr lang="en-SG"/>
           </a:p>
@@ -2691,7 +2696,7 @@
           <a:p>
             <a:fld id="{C4DEFB12-8908-45C0-9F73-949DA352926F}" type="datetimeFigureOut">
               <a:rPr lang="en-SG" smtClean="0"/>
-              <a:t>17/9/2021</a:t>
+              <a:t>29/9/2021</a:t>
             </a:fld>
             <a:endParaRPr lang="en-SG"/>
           </a:p>
@@ -2934,7 +2939,7 @@
           <a:p>
             <a:fld id="{C4DEFB12-8908-45C0-9F73-949DA352926F}" type="datetimeFigureOut">
               <a:rPr lang="en-SG" smtClean="0"/>
-              <a:t>17/9/2021</a:t>
+              <a:t>29/9/2021</a:t>
             </a:fld>
             <a:endParaRPr lang="en-SG"/>
           </a:p>
@@ -3561,7 +3566,6 @@
           <a:bodyPr/>
           <a:lstStyle/>
           <a:p>
-            <a:pPr/>
             <a:r>
               <a:rPr lang="en-US" sz="2400" dirty="0"/>
               <a:t>Limitations of NDCG</a:t>
@@ -3797,8 +3801,8 @@
           </a:p>
         </p:txBody>
       </p:sp>
-      <mc:AlternateContent xmlns:mc="http://schemas.openxmlformats.org/markup-compatibility/2006">
-        <mc:Choice xmlns:a14="http://schemas.microsoft.com/office/drawing/2010/main" Requires="a14">
+      <mc:AlternateContent xmlns:mc="http://schemas.openxmlformats.org/markup-compatibility/2006" xmlns:a14="http://schemas.microsoft.com/office/drawing/2010/main">
+        <mc:Choice Requires="a14">
           <p:sp>
             <p:nvSpPr>
               <p:cNvPr id="3" name="Content Placeholder 2">
@@ -4068,13 +4072,7 @@
                           <a:rPr lang="en-US" sz="2000" b="0" i="1" smtClean="0">
                             <a:latin typeface="Cambria Math" panose="02040503050406030204" pitchFamily="18" charset="0"/>
                           </a:rPr>
-                          <m:t>1+</m:t>
-                        </m:r>
-                        <m:r>
-                          <a:rPr lang="en-US" sz="2000" b="0" i="1" smtClean="0">
-                            <a:latin typeface="Cambria Math" panose="02040503050406030204" pitchFamily="18" charset="0"/>
-                          </a:rPr>
-                          <m:t>1</m:t>
+                          <m:t>1+1</m:t>
                         </m:r>
                       </m:den>
                     </m:f>
@@ -4082,13 +4080,7 @@
                       <a:rPr lang="en-US" sz="2000" b="0" i="1" smtClean="0">
                         <a:latin typeface="Cambria Math" panose="02040503050406030204" pitchFamily="18" charset="0"/>
                       </a:rPr>
-                      <m:t>=</m:t>
-                    </m:r>
-                    <m:r>
-                      <a:rPr lang="en-US" sz="2000" b="0" i="1" smtClean="0">
-                        <a:latin typeface="Cambria Math" panose="02040503050406030204" pitchFamily="18" charset="0"/>
-                      </a:rPr>
-                      <m:t>0.5</m:t>
+                      <m:t>=0.5</m:t>
                     </m:r>
                   </m:oMath>
                 </a14:m>
@@ -4206,7 +4198,7 @@
             </p:txBody>
           </p:sp>
         </mc:Choice>
-        <mc:Fallback>
+        <mc:Fallback xmlns="">
           <p:sp>
             <p:nvSpPr>
               <p:cNvPr id="3" name="Content Placeholder 2">
@@ -5145,8 +5137,8 @@
           </a:p>
         </p:txBody>
       </p:sp>
-      <mc:AlternateContent xmlns:mc="http://schemas.openxmlformats.org/markup-compatibility/2006">
-        <mc:Choice xmlns:a14="http://schemas.microsoft.com/office/drawing/2010/main" Requires="a14">
+      <mc:AlternateContent xmlns:mc="http://schemas.openxmlformats.org/markup-compatibility/2006" xmlns:a14="http://schemas.microsoft.com/office/drawing/2010/main">
+        <mc:Choice Requires="a14">
           <p:sp>
             <p:nvSpPr>
               <p:cNvPr id="3" name="Content Placeholder 2">
@@ -5413,13 +5405,7 @@
                           <a:rPr lang="en-US" sz="2000" b="0" i="1" smtClean="0">
                             <a:latin typeface="Cambria Math" panose="02040503050406030204" pitchFamily="18" charset="0"/>
                           </a:rPr>
-                          <m:t>1+</m:t>
-                        </m:r>
-                        <m:r>
-                          <a:rPr lang="en-US" sz="2000" b="0" i="1" smtClean="0">
-                            <a:latin typeface="Cambria Math" panose="02040503050406030204" pitchFamily="18" charset="0"/>
-                          </a:rPr>
-                          <m:t>3</m:t>
+                          <m:t>1+3</m:t>
                         </m:r>
                       </m:den>
                     </m:f>
@@ -5427,13 +5413,7 @@
                       <a:rPr lang="en-US" sz="2000" b="0" i="1" smtClean="0">
                         <a:latin typeface="Cambria Math" panose="02040503050406030204" pitchFamily="18" charset="0"/>
                       </a:rPr>
-                      <m:t>=</m:t>
-                    </m:r>
-                    <m:r>
-                      <a:rPr lang="en-US" sz="2000" b="0" i="1" smtClean="0">
-                        <a:latin typeface="Cambria Math" panose="02040503050406030204" pitchFamily="18" charset="0"/>
-                      </a:rPr>
-                      <m:t>0.25</m:t>
+                      <m:t>=0.25</m:t>
                     </m:r>
                   </m:oMath>
                 </a14:m>
@@ -5551,7 +5531,7 @@
             </p:txBody>
           </p:sp>
         </mc:Choice>
-        <mc:Fallback>
+        <mc:Fallback xmlns="">
           <p:sp>
             <p:nvSpPr>
               <p:cNvPr id="3" name="Content Placeholder 2">
@@ -6646,8 +6626,8 @@
           </a:p>
         </p:txBody>
       </p:sp>
-      <mc:AlternateContent xmlns:mc="http://schemas.openxmlformats.org/markup-compatibility/2006">
-        <mc:Choice xmlns:a14="http://schemas.microsoft.com/office/drawing/2010/main" Requires="a14">
+      <mc:AlternateContent xmlns:mc="http://schemas.openxmlformats.org/markup-compatibility/2006" xmlns:a14="http://schemas.microsoft.com/office/drawing/2010/main">
+        <mc:Choice Requires="a14">
           <p:sp>
             <p:nvSpPr>
               <p:cNvPr id="3" name="Content Placeholder 2">
@@ -6855,7 +6835,7 @@
             </p:txBody>
           </p:sp>
         </mc:Choice>
-        <mc:Fallback>
+        <mc:Fallback xmlns="">
           <p:sp>
             <p:nvSpPr>
               <p:cNvPr id="3" name="Content Placeholder 2">
@@ -8302,7 +8282,6 @@
                 <a:endParaRPr lang="en-US" sz="2000" dirty="0"/>
               </a:p>
               <a:p>
-                <a:pPr/>
                 <a:r>
                   <a:rPr lang="en-US" sz="2000" dirty="0"/>
                   <a:t>The formular cannot start without Recall @0.</a:t>
@@ -10274,7 +10253,6 @@
           <a:bodyPr/>
           <a:lstStyle/>
           <a:p>
-            <a:pPr/>
             <a:r>
               <a:rPr lang="en-US" sz="2400" dirty="0"/>
               <a:t>MAP is simply the average AP of all observations</a:t>
@@ -10349,8 +10327,8 @@
           </a:p>
         </p:txBody>
       </p:sp>
-      <mc:AlternateContent xmlns:mc="http://schemas.openxmlformats.org/markup-compatibility/2006">
-        <mc:Choice xmlns:a14="http://schemas.microsoft.com/office/drawing/2010/main" Requires="a14">
+      <mc:AlternateContent xmlns:mc="http://schemas.openxmlformats.org/markup-compatibility/2006" xmlns:a14="http://schemas.microsoft.com/office/drawing/2010/main">
+        <mc:Choice Requires="a14">
           <p:sp>
             <p:nvSpPr>
               <p:cNvPr id="3" name="Content Placeholder 2">
@@ -10379,7 +10357,6 @@
               </a:bodyPr>
               <a:lstStyle/>
               <a:p>
-                <a:pPr/>
                 <a:r>
                   <a:rPr lang="en-US" sz="2000" dirty="0"/>
                   <a:t>DCG can work if the relevance values are real number (a relevance score)</a:t>
@@ -10586,7 +10563,6 @@
                 <a:endParaRPr lang="en-US" sz="1600" dirty="0"/>
               </a:p>
               <a:p>
-                <a:pPr/>
                 <a14:m>
                   <m:oMath xmlns:m="http://schemas.openxmlformats.org/officeDocument/2006/math">
                     <m:r>
@@ -10642,21 +10618,18 @@
                 </a:r>
               </a:p>
               <a:p>
-                <a:pPr/>
                 <a:r>
                   <a:rPr lang="en-US" sz="2000" dirty="0"/>
                   <a:t>This formulation strongly emphasis on retrieving relevant documents, which is popular in web companies.</a:t>
                 </a:r>
               </a:p>
               <a:p>
-                <a:pPr/>
                 <a:r>
                   <a:rPr lang="en-US" sz="2000" dirty="0"/>
                   <a:t>In our example, we continue to use the binary values.</a:t>
                 </a:r>
               </a:p>
               <a:p>
-                <a:pPr/>
                 <a:r>
                   <a:rPr lang="en-US" sz="2000" dirty="0"/>
                   <a:t>Obviously, larger result sets trend to have higher DCG score./</a:t>
@@ -10680,7 +10653,7 @@
             </p:txBody>
           </p:sp>
         </mc:Choice>
-        <mc:Fallback>
+        <mc:Fallback xmlns="">
           <p:sp>
             <p:nvSpPr>
               <p:cNvPr id="3" name="Content Placeholder 2">
@@ -12293,8 +12266,8 @@
           </a:p>
         </p:txBody>
       </p:sp>
-      <mc:AlternateContent xmlns:mc="http://schemas.openxmlformats.org/markup-compatibility/2006">
-        <mc:Choice xmlns:a14="http://schemas.microsoft.com/office/drawing/2010/main" Requires="a14">
+      <mc:AlternateContent xmlns:mc="http://schemas.openxmlformats.org/markup-compatibility/2006" xmlns:a14="http://schemas.microsoft.com/office/drawing/2010/main">
+        <mc:Choice Requires="a14">
           <p:sp>
             <p:nvSpPr>
               <p:cNvPr id="3" name="Content Placeholder 2">
@@ -12321,7 +12294,6 @@
               <a:bodyPr/>
               <a:lstStyle/>
               <a:p>
-                <a:pPr/>
                 <a:r>
                   <a:rPr lang="en-US" sz="2000" dirty="0"/>
                   <a:t>Normalized DCG using IDCG: </a:t>
@@ -12344,7 +12316,6 @@
                 </a:r>
               </a:p>
               <a:p>
-                <a:pPr/>
                 <a:r>
                   <a:rPr lang="en-US" sz="2000" dirty="0"/>
                   <a:t>NDCG can be used to measure model performance across a full dataset – just take average.</a:t>
@@ -12688,7 +12659,6 @@
                 <a:endParaRPr lang="en-US" sz="1600" dirty="0"/>
               </a:p>
               <a:p>
-                <a:pPr/>
                 <a:r>
                   <a:rPr lang="en-US" sz="2000" dirty="0"/>
                   <a:t>To calculate IDCG, you need to sort all relevant documents by their relative relevance (descending) first:</a:t>
@@ -12697,7 +12667,7 @@
             </p:txBody>
           </p:sp>
         </mc:Choice>
-        <mc:Fallback>
+        <mc:Fallback xmlns="">
           <p:sp>
             <p:nvSpPr>
               <p:cNvPr id="3" name="Content Placeholder 2">
